--- a/2. HTML/Slides/HTML Grundlagen.pptx
+++ b/2. HTML/Slides/HTML Grundlagen.pptx
@@ -30,7 +30,8 @@
     <p:sldId id="331" r:id="rId24"/>
     <p:sldId id="333" r:id="rId25"/>
     <p:sldId id="332" r:id="rId26"/>
-    <p:sldId id="292" r:id="rId27"/>
+    <p:sldId id="334" r:id="rId27"/>
+    <p:sldId id="292" r:id="rId28"/>
   </p:sldIdLst>
   <p:sldSz cx="12192000" cy="6858000"/>
   <p:notesSz cx="6858000" cy="9144000"/>
@@ -288,7 +289,7 @@
           <a:p>
             <a:fld id="{B6D41BCC-AD73-4203-A5A6-E62EB28B0FE6}" type="datetimeFigureOut">
               <a:rPr lang="en-US" smtClean="0"/>
-              <a:t>9/26/2023</a:t>
+              <a:t>9/30/2024</a:t>
             </a:fld>
             <a:endParaRPr lang="en-US"/>
           </a:p>
@@ -496,7 +497,7 @@
           <a:p>
             <a:fld id="{B6D41BCC-AD73-4203-A5A6-E62EB28B0FE6}" type="datetimeFigureOut">
               <a:rPr lang="en-US" smtClean="0"/>
-              <a:t>9/26/2023</a:t>
+              <a:t>9/30/2024</a:t>
             </a:fld>
             <a:endParaRPr lang="en-US"/>
           </a:p>
@@ -704,7 +705,7 @@
           <a:p>
             <a:fld id="{B6D41BCC-AD73-4203-A5A6-E62EB28B0FE6}" type="datetimeFigureOut">
               <a:rPr lang="en-US" smtClean="0"/>
-              <a:t>9/26/2023</a:t>
+              <a:t>9/30/2024</a:t>
             </a:fld>
             <a:endParaRPr lang="en-US"/>
           </a:p>
@@ -912,7 +913,7 @@
           <a:p>
             <a:fld id="{B6D41BCC-AD73-4203-A5A6-E62EB28B0FE6}" type="datetimeFigureOut">
               <a:rPr lang="en-US" smtClean="0"/>
-              <a:t>9/26/2023</a:t>
+              <a:t>9/30/2024</a:t>
             </a:fld>
             <a:endParaRPr lang="en-US"/>
           </a:p>
@@ -1417,7 +1418,7 @@
           <a:p>
             <a:fld id="{B6D41BCC-AD73-4203-A5A6-E62EB28B0FE6}" type="datetimeFigureOut">
               <a:rPr lang="en-US" smtClean="0"/>
-              <a:t>9/26/2023</a:t>
+              <a:t>9/30/2024</a:t>
             </a:fld>
             <a:endParaRPr lang="en-US"/>
           </a:p>
@@ -1687,7 +1688,7 @@
           <a:p>
             <a:fld id="{B6D41BCC-AD73-4203-A5A6-E62EB28B0FE6}" type="datetimeFigureOut">
               <a:rPr lang="en-US" smtClean="0"/>
-              <a:t>9/26/2023</a:t>
+              <a:t>9/30/2024</a:t>
             </a:fld>
             <a:endParaRPr lang="en-US"/>
           </a:p>
@@ -2103,7 +2104,7 @@
           <a:p>
             <a:fld id="{B6D41BCC-AD73-4203-A5A6-E62EB28B0FE6}" type="datetimeFigureOut">
               <a:rPr lang="en-US" smtClean="0"/>
-              <a:t>9/26/2023</a:t>
+              <a:t>9/30/2024</a:t>
             </a:fld>
             <a:endParaRPr lang="en-US"/>
           </a:p>
@@ -2251,7 +2252,7 @@
           <a:p>
             <a:fld id="{B6D41BCC-AD73-4203-A5A6-E62EB28B0FE6}" type="datetimeFigureOut">
               <a:rPr lang="en-US" smtClean="0"/>
-              <a:t>9/26/2023</a:t>
+              <a:t>9/30/2024</a:t>
             </a:fld>
             <a:endParaRPr lang="en-US"/>
           </a:p>
@@ -2364,7 +2365,7 @@
           <a:p>
             <a:fld id="{B6D41BCC-AD73-4203-A5A6-E62EB28B0FE6}" type="datetimeFigureOut">
               <a:rPr lang="en-US" smtClean="0"/>
-              <a:t>9/26/2023</a:t>
+              <a:t>9/30/2024</a:t>
             </a:fld>
             <a:endParaRPr lang="en-US"/>
           </a:p>
@@ -2690,7 +2691,7 @@
           <a:p>
             <a:fld id="{B6D41BCC-AD73-4203-A5A6-E62EB28B0FE6}" type="datetimeFigureOut">
               <a:rPr lang="en-US" smtClean="0"/>
-              <a:t>9/26/2023</a:t>
+              <a:t>9/30/2024</a:t>
             </a:fld>
             <a:endParaRPr lang="en-US"/>
           </a:p>
@@ -2978,7 +2979,7 @@
           <a:p>
             <a:fld id="{B6D41BCC-AD73-4203-A5A6-E62EB28B0FE6}" type="datetimeFigureOut">
               <a:rPr lang="en-US" smtClean="0"/>
-              <a:t>9/26/2023</a:t>
+              <a:t>9/30/2024</a:t>
             </a:fld>
             <a:endParaRPr lang="en-US"/>
           </a:p>
@@ -3218,7 +3219,7 @@
             <a:fld id="{B6D41BCC-AD73-4203-A5A6-E62EB28B0FE6}" type="datetimeFigureOut">
               <a:rPr lang="en-US" smtClean="0"/>
               <a:pPr/>
-              <a:t>9/26/2023</a:t>
+              <a:t>9/30/2024</a:t>
             </a:fld>
             <a:endParaRPr lang="en-US"/>
           </a:p>
@@ -3702,7 +3703,7 @@
                 <a16:creationId xmlns:a16="http://schemas.microsoft.com/office/drawing/2014/main" id="{BE229233-9672-4675-99B7-6CBCEF1CD415}"/>
               </a:ext>
               <a:ext uri="{C183D7F6-B498-43B3-948B-1728B52AA6E4}">
-                <adec:decorative xmlns:adec="http://schemas.microsoft.com/office/drawing/2017/decorative" xmlns="" val="1"/>
+                <adec:decorative xmlns="" xmlns:adec="http://schemas.microsoft.com/office/drawing/2017/decorative" val="1"/>
               </a:ext>
             </a:extLst>
           </p:cNvPr>
@@ -3797,7 +3798,7 @@
                 <a16:creationId xmlns:a16="http://schemas.microsoft.com/office/drawing/2014/main" id="{EC5FF010-B53C-46BE-BEEF-AF926A00F67F}"/>
               </a:ext>
               <a:ext uri="{C183D7F6-B498-43B3-948B-1728B52AA6E4}">
-                <adec:decorative xmlns:adec="http://schemas.microsoft.com/office/drawing/2017/decorative" xmlns="" val="1"/>
+                <adec:decorative xmlns="" xmlns:adec="http://schemas.microsoft.com/office/drawing/2017/decorative" val="1"/>
               </a:ext>
             </a:extLst>
           </p:cNvPr>
@@ -3863,7 +3864,7 @@
                 <a16:creationId xmlns:a16="http://schemas.microsoft.com/office/drawing/2014/main" id="{8509AD9C-1F43-4138-A72B-8CA988EDD475}"/>
               </a:ext>
               <a:ext uri="{C183D7F6-B498-43B3-948B-1728B52AA6E4}">
-                <adec:decorative xmlns:adec="http://schemas.microsoft.com/office/drawing/2017/decorative" xmlns="" val="1"/>
+                <adec:decorative xmlns="" xmlns:adec="http://schemas.microsoft.com/office/drawing/2017/decorative" val="1"/>
               </a:ext>
             </a:extLst>
           </p:cNvPr>
@@ -9564,11 +9565,7 @@
           <a:p>
             <a:r>
               <a:rPr lang="de-AT" dirty="0" smtClean="0"/>
-              <a:t>Verwende dafür sowohl Inline als auch Block Elemente</a:t>
-            </a:r>
-            <a:r>
-              <a:rPr lang="de-AT" dirty="0" smtClean="0"/>
-              <a:t>.</a:t>
+              <a:t>Verwende dafür sowohl Inline als auch Block Elemente.</a:t>
             </a:r>
           </a:p>
           <a:p>
@@ -10980,6 +10977,547 @@
 </file>
 
 <file path=ppt/slides/slide26.xml><?xml version="1.0" encoding="utf-8"?>
+<p:sld xmlns:a="http://schemas.openxmlformats.org/drawingml/2006/main" xmlns:r="http://schemas.openxmlformats.org/officeDocument/2006/relationships" xmlns:p="http://schemas.openxmlformats.org/presentationml/2006/main">
+  <p:cSld>
+    <p:spTree>
+      <p:nvGrpSpPr>
+        <p:cNvPr id="1" name=""/>
+        <p:cNvGrpSpPr/>
+        <p:nvPr/>
+      </p:nvGrpSpPr>
+      <p:grpSpPr>
+        <a:xfrm>
+          <a:off x="0" y="0"/>
+          <a:ext cx="0" cy="0"/>
+          <a:chOff x="0" y="0"/>
+          <a:chExt cx="0" cy="0"/>
+        </a:xfrm>
+      </p:grpSpPr>
+      <p:sp>
+        <p:nvSpPr>
+          <p:cNvPr id="2" name="Titel 1">
+            <a:extLst>
+              <a:ext uri="{FF2B5EF4-FFF2-40B4-BE49-F238E27FC236}">
+                <a16:creationId xmlns:a16="http://schemas.microsoft.com/office/drawing/2014/main" id="{B4ABB032-A2AF-BF78-993C-085D78DFBC1B}"/>
+              </a:ext>
+            </a:extLst>
+          </p:cNvPr>
+          <p:cNvSpPr>
+            <a:spLocks noGrp="1"/>
+          </p:cNvSpPr>
+          <p:nvPr>
+            <p:ph type="title"/>
+          </p:nvPr>
+        </p:nvSpPr>
+        <p:spPr>
+          <a:xfrm>
+            <a:off x="1078463" y="461865"/>
+            <a:ext cx="6044713" cy="1371600"/>
+          </a:xfrm>
+        </p:spPr>
+        <p:txBody>
+          <a:bodyPr/>
+          <a:lstStyle/>
+          <a:p>
+            <a:r>
+              <a:rPr lang="de-AT" dirty="0" smtClean="0"/>
+              <a:t>HTML Wiederholungsübung „Coffee-Time“</a:t>
+            </a:r>
+            <a:endParaRPr lang="de-AT" dirty="0"/>
+          </a:p>
+        </p:txBody>
+      </p:sp>
+      <p:sp>
+        <p:nvSpPr>
+          <p:cNvPr id="3" name="Inhaltsplatzhalter 2">
+            <a:extLst>
+              <a:ext uri="{FF2B5EF4-FFF2-40B4-BE49-F238E27FC236}">
+                <a16:creationId xmlns:a16="http://schemas.microsoft.com/office/drawing/2014/main" id="{E235725B-DAAC-F513-664A-299CBE2ABB80}"/>
+              </a:ext>
+            </a:extLst>
+          </p:cNvPr>
+          <p:cNvSpPr>
+            <a:spLocks noGrp="1"/>
+          </p:cNvSpPr>
+          <p:nvPr>
+            <p:ph idx="1"/>
+          </p:nvPr>
+        </p:nvSpPr>
+        <p:spPr>
+          <a:xfrm>
+            <a:off x="455321" y="1748770"/>
+            <a:ext cx="6253210" cy="4710753"/>
+          </a:xfrm>
+        </p:spPr>
+        <p:txBody>
+          <a:bodyPr>
+            <a:normAutofit/>
+          </a:bodyPr>
+          <a:lstStyle/>
+          <a:p>
+            <a:pPr lvl="1">
+              <a:lnSpc>
+                <a:spcPct val="150000"/>
+              </a:lnSpc>
+            </a:pPr>
+            <a:r>
+              <a:rPr lang="de-DE" sz="1800" dirty="0"/>
+              <a:t>Erstelle eine Webseite für eine fiktive Café-Eröffnung, die eine Überschrift, einen Absatz, ein eingebettetes Video, ein Formular zur Anmeldung für den Newsletter und eine Tabelle mit den Angeboten des Cafés enthält</a:t>
+            </a:r>
+            <a:r>
+              <a:rPr lang="de-DE" sz="1800" dirty="0"/>
+              <a:t>.</a:t>
+            </a:r>
+            <a:endParaRPr lang="de-AT" sz="1800" dirty="0"/>
+          </a:p>
+          <a:p>
+            <a:pPr lvl="1">
+              <a:lnSpc>
+                <a:spcPct val="150000"/>
+              </a:lnSpc>
+            </a:pPr>
+            <a:r>
+              <a:rPr lang="de-AT" sz="1800" dirty="0" smtClean="0"/>
+              <a:t>Zusatzaufgabe:</a:t>
+            </a:r>
+            <a:br>
+              <a:rPr lang="de-AT" sz="1800" dirty="0" smtClean="0"/>
+            </a:br>
+            <a:r>
+              <a:rPr lang="de-AT" sz="1800" dirty="0" smtClean="0"/>
+              <a:t>Die Anmeldung zum Newsletter soll auf eine extra Seite „newsletter.html“  und die Preise auf eine extra Seite „preise.html“ ausgelagert werden und über Links erreichbar sein.</a:t>
+            </a:r>
+            <a:endParaRPr lang="de-DE" sz="1800" dirty="0"/>
+          </a:p>
+        </p:txBody>
+      </p:sp>
+      <p:sp>
+        <p:nvSpPr>
+          <p:cNvPr id="11" name="Inhaltsplatzhalter 2">
+            <a:extLst>
+              <a:ext uri="{FF2B5EF4-FFF2-40B4-BE49-F238E27FC236}">
+                <a16:creationId xmlns:a16="http://schemas.microsoft.com/office/drawing/2014/main" id="{0F037B21-2A96-B8E3-2A03-9E36ABA6C553}"/>
+              </a:ext>
+            </a:extLst>
+          </p:cNvPr>
+          <p:cNvSpPr txBox="1">
+            <a:spLocks/>
+          </p:cNvSpPr>
+          <p:nvPr/>
+        </p:nvSpPr>
+        <p:spPr>
+          <a:xfrm>
+            <a:off x="795287" y="1833465"/>
+            <a:ext cx="10093624" cy="4710753"/>
+          </a:xfrm>
+          <a:prstGeom prst="rect">
+            <a:avLst/>
+          </a:prstGeom>
+        </p:spPr>
+        <p:txBody>
+          <a:bodyPr vert="horz" lIns="91440" tIns="45720" rIns="91440" bIns="45720" rtlCol="0">
+            <a:normAutofit/>
+          </a:bodyPr>
+          <a:lstStyle>
+            <a:lvl1pPr marL="228600" indent="-228600" algn="l" defTabSz="914400" rtl="0" eaLnBrk="1" latinLnBrk="0" hangingPunct="1">
+              <a:lnSpc>
+                <a:spcPct val="120000"/>
+              </a:lnSpc>
+              <a:spcBef>
+                <a:spcPts val="1000"/>
+              </a:spcBef>
+              <a:buFont typeface="Arial" panose="020B0604020202020204" pitchFamily="34" charset="0"/>
+              <a:buChar char="•"/>
+              <a:defRPr sz="1800" kern="1200">
+                <a:solidFill>
+                  <a:schemeClr val="tx1"/>
+                </a:solidFill>
+                <a:latin typeface="+mn-lt"/>
+                <a:ea typeface="+mn-ea"/>
+                <a:cs typeface="+mn-cs"/>
+              </a:defRPr>
+            </a:lvl1pPr>
+            <a:lvl2pPr marL="502920" indent="-228600" algn="l" defTabSz="914400" rtl="0" eaLnBrk="1" latinLnBrk="0" hangingPunct="1">
+              <a:lnSpc>
+                <a:spcPct val="120000"/>
+              </a:lnSpc>
+              <a:spcBef>
+                <a:spcPts val="500"/>
+              </a:spcBef>
+              <a:buFont typeface="Arial" panose="020B0604020202020204" pitchFamily="34" charset="0"/>
+              <a:buChar char="•"/>
+              <a:defRPr sz="1600" kern="1200">
+                <a:solidFill>
+                  <a:schemeClr val="tx1"/>
+                </a:solidFill>
+                <a:latin typeface="+mn-lt"/>
+                <a:ea typeface="+mn-ea"/>
+                <a:cs typeface="+mn-cs"/>
+              </a:defRPr>
+            </a:lvl2pPr>
+            <a:lvl3pPr marL="731520" indent="-228600" algn="l" defTabSz="914400" rtl="0" eaLnBrk="1" latinLnBrk="0" hangingPunct="1">
+              <a:lnSpc>
+                <a:spcPct val="120000"/>
+              </a:lnSpc>
+              <a:spcBef>
+                <a:spcPts val="500"/>
+              </a:spcBef>
+              <a:buFont typeface="Arial" panose="020B0604020202020204" pitchFamily="34" charset="0"/>
+              <a:buChar char="•"/>
+              <a:defRPr sz="1400" kern="1200">
+                <a:solidFill>
+                  <a:schemeClr val="tx1"/>
+                </a:solidFill>
+                <a:latin typeface="+mn-lt"/>
+                <a:ea typeface="+mn-ea"/>
+                <a:cs typeface="+mn-cs"/>
+              </a:defRPr>
+            </a:lvl3pPr>
+            <a:lvl4pPr marL="1005840" indent="-228600" algn="l" defTabSz="914400" rtl="0" eaLnBrk="1" latinLnBrk="0" hangingPunct="1">
+              <a:lnSpc>
+                <a:spcPct val="120000"/>
+              </a:lnSpc>
+              <a:spcBef>
+                <a:spcPts val="500"/>
+              </a:spcBef>
+              <a:buFont typeface="Arial" panose="020B0604020202020204" pitchFamily="34" charset="0"/>
+              <a:buChar char="•"/>
+              <a:defRPr sz="1400" kern="1200">
+                <a:solidFill>
+                  <a:schemeClr val="tx1"/>
+                </a:solidFill>
+                <a:latin typeface="+mn-lt"/>
+                <a:ea typeface="+mn-ea"/>
+                <a:cs typeface="+mn-cs"/>
+              </a:defRPr>
+            </a:lvl4pPr>
+            <a:lvl5pPr marL="1234440" indent="-228600" algn="l" defTabSz="914400" rtl="0" eaLnBrk="1" latinLnBrk="0" hangingPunct="1">
+              <a:lnSpc>
+                <a:spcPct val="120000"/>
+              </a:lnSpc>
+              <a:spcBef>
+                <a:spcPts val="500"/>
+              </a:spcBef>
+              <a:buFont typeface="Arial" panose="020B0604020202020204" pitchFamily="34" charset="0"/>
+              <a:buChar char="•"/>
+              <a:defRPr sz="1400" kern="1200">
+                <a:solidFill>
+                  <a:schemeClr val="tx1"/>
+                </a:solidFill>
+                <a:latin typeface="+mn-lt"/>
+                <a:ea typeface="+mn-ea"/>
+                <a:cs typeface="+mn-cs"/>
+              </a:defRPr>
+            </a:lvl5pPr>
+            <a:lvl6pPr marL="2514600" indent="-228600" algn="l" defTabSz="914400" rtl="0" eaLnBrk="1" latinLnBrk="0" hangingPunct="1">
+              <a:lnSpc>
+                <a:spcPct val="90000"/>
+              </a:lnSpc>
+              <a:spcBef>
+                <a:spcPts val="500"/>
+              </a:spcBef>
+              <a:buFont typeface="Arial" panose="020B0604020202020204" pitchFamily="34" charset="0"/>
+              <a:buChar char="•"/>
+              <a:defRPr sz="1800" kern="1200">
+                <a:solidFill>
+                  <a:schemeClr val="tx1"/>
+                </a:solidFill>
+                <a:latin typeface="+mn-lt"/>
+                <a:ea typeface="+mn-ea"/>
+                <a:cs typeface="+mn-cs"/>
+              </a:defRPr>
+            </a:lvl6pPr>
+            <a:lvl7pPr marL="2971800" indent="-228600" algn="l" defTabSz="914400" rtl="0" eaLnBrk="1" latinLnBrk="0" hangingPunct="1">
+              <a:lnSpc>
+                <a:spcPct val="90000"/>
+              </a:lnSpc>
+              <a:spcBef>
+                <a:spcPts val="500"/>
+              </a:spcBef>
+              <a:buFont typeface="Arial" panose="020B0604020202020204" pitchFamily="34" charset="0"/>
+              <a:buChar char="•"/>
+              <a:defRPr sz="1800" kern="1200">
+                <a:solidFill>
+                  <a:schemeClr val="tx1"/>
+                </a:solidFill>
+                <a:latin typeface="+mn-lt"/>
+                <a:ea typeface="+mn-ea"/>
+                <a:cs typeface="+mn-cs"/>
+              </a:defRPr>
+            </a:lvl7pPr>
+            <a:lvl8pPr marL="3429000" indent="-228600" algn="l" defTabSz="914400" rtl="0" eaLnBrk="1" latinLnBrk="0" hangingPunct="1">
+              <a:lnSpc>
+                <a:spcPct val="90000"/>
+              </a:lnSpc>
+              <a:spcBef>
+                <a:spcPts val="500"/>
+              </a:spcBef>
+              <a:buFont typeface="Arial" panose="020B0604020202020204" pitchFamily="34" charset="0"/>
+              <a:buChar char="•"/>
+              <a:defRPr sz="1800" kern="1200">
+                <a:solidFill>
+                  <a:schemeClr val="tx1"/>
+                </a:solidFill>
+                <a:latin typeface="+mn-lt"/>
+                <a:ea typeface="+mn-ea"/>
+                <a:cs typeface="+mn-cs"/>
+              </a:defRPr>
+            </a:lvl8pPr>
+            <a:lvl9pPr marL="3886200" indent="-228600" algn="l" defTabSz="914400" rtl="0" eaLnBrk="1" latinLnBrk="0" hangingPunct="1">
+              <a:lnSpc>
+                <a:spcPct val="90000"/>
+              </a:lnSpc>
+              <a:spcBef>
+                <a:spcPts val="500"/>
+              </a:spcBef>
+              <a:buFont typeface="Arial" panose="020B0604020202020204" pitchFamily="34" charset="0"/>
+              <a:buChar char="•"/>
+              <a:defRPr sz="1800" kern="1200">
+                <a:solidFill>
+                  <a:schemeClr val="tx1"/>
+                </a:solidFill>
+                <a:latin typeface="+mn-lt"/>
+                <a:ea typeface="+mn-ea"/>
+                <a:cs typeface="+mn-cs"/>
+              </a:defRPr>
+            </a:lvl9pPr>
+          </a:lstStyle>
+          <a:p>
+            <a:pPr marL="274320" lvl="1" indent="0">
+              <a:lnSpc>
+                <a:spcPct val="150000"/>
+              </a:lnSpc>
+              <a:buFont typeface="Arial" panose="020B0604020202020204" pitchFamily="34" charset="0"/>
+              <a:buNone/>
+            </a:pPr>
+            <a:endParaRPr lang="de-AT" dirty="0">
+              <a:solidFill>
+                <a:srgbClr val="374151"/>
+              </a:solidFill>
+              <a:latin typeface="Montserrat" panose="00000500000000000000" pitchFamily="2" charset="0"/>
+            </a:endParaRPr>
+          </a:p>
+          <a:p>
+            <a:pPr marL="274320" lvl="1" indent="0">
+              <a:lnSpc>
+                <a:spcPct val="150000"/>
+              </a:lnSpc>
+              <a:buFont typeface="Arial" panose="020B0604020202020204" pitchFamily="34" charset="0"/>
+              <a:buNone/>
+            </a:pPr>
+            <a:endParaRPr lang="de-AT" dirty="0">
+              <a:solidFill>
+                <a:srgbClr val="374151"/>
+              </a:solidFill>
+              <a:latin typeface="Montserrat" panose="00000500000000000000" pitchFamily="2" charset="0"/>
+            </a:endParaRPr>
+          </a:p>
+        </p:txBody>
+      </p:sp>
+      <p:sp>
+        <p:nvSpPr>
+          <p:cNvPr id="4" name="Foliennummernplatzhalter 3">
+            <a:extLst>
+              <a:ext uri="{FF2B5EF4-FFF2-40B4-BE49-F238E27FC236}">
+                <a16:creationId xmlns:a16="http://schemas.microsoft.com/office/drawing/2014/main" id="{9DE22005-0B5A-2C04-992C-E1FC95F24FFD}"/>
+              </a:ext>
+            </a:extLst>
+          </p:cNvPr>
+          <p:cNvSpPr>
+            <a:spLocks noGrp="1"/>
+          </p:cNvSpPr>
+          <p:nvPr>
+            <p:ph type="sldNum" sz="quarter" idx="12"/>
+          </p:nvPr>
+        </p:nvSpPr>
+        <p:spPr/>
+        <p:txBody>
+          <a:bodyPr/>
+          <a:lstStyle/>
+          <a:p>
+            <a:fld id="{D637F8FC-4B86-4690-8888-22AB2F781BEF}" type="slidenum">
+              <a:rPr lang="en-US" smtClean="0"/>
+              <a:t>26</a:t>
+            </a:fld>
+            <a:endParaRPr lang="en-US" dirty="0"/>
+          </a:p>
+        </p:txBody>
+      </p:sp>
+      <p:pic>
+        <p:nvPicPr>
+          <p:cNvPr id="6" name="Grafik 5"/>
+          <p:cNvPicPr>
+            <a:picLocks noChangeAspect="1"/>
+          </p:cNvPicPr>
+          <p:nvPr/>
+        </p:nvPicPr>
+        <p:blipFill>
+          <a:blip r:embed="rId2"/>
+          <a:stretch>
+            <a:fillRect/>
+          </a:stretch>
+        </p:blipFill>
+        <p:spPr>
+          <a:xfrm>
+            <a:off x="7123176" y="653889"/>
+            <a:ext cx="4018089" cy="5595410"/>
+          </a:xfrm>
+          <a:prstGeom prst="rect">
+            <a:avLst/>
+          </a:prstGeom>
+        </p:spPr>
+      </p:pic>
+    </p:spTree>
+    <p:extLst>
+      <p:ext uri="{BB962C8B-B14F-4D97-AF65-F5344CB8AC3E}">
+        <p14:creationId xmlns:p14="http://schemas.microsoft.com/office/powerpoint/2010/main" val="2374830424"/>
+      </p:ext>
+    </p:extLst>
+  </p:cSld>
+  <p:clrMapOvr>
+    <a:masterClrMapping/>
+  </p:clrMapOvr>
+  <p:timing>
+    <p:tnLst>
+      <p:par>
+        <p:cTn id="1" dur="indefinite" restart="never" nodeType="tmRoot">
+          <p:childTnLst>
+            <p:seq concurrent="1" nextAc="seek">
+              <p:cTn id="2" dur="indefinite" nodeType="mainSeq">
+                <p:childTnLst>
+                  <p:par>
+                    <p:cTn id="3" fill="hold">
+                      <p:stCondLst>
+                        <p:cond delay="indefinite"/>
+                      </p:stCondLst>
+                      <p:childTnLst>
+                        <p:par>
+                          <p:cTn id="4" fill="hold">
+                            <p:stCondLst>
+                              <p:cond delay="0"/>
+                            </p:stCondLst>
+                            <p:childTnLst>
+                              <p:par>
+                                <p:cTn id="5" presetID="10" presetClass="entr" presetSubtype="0" fill="hold" grpId="0" nodeType="clickEffect">
+                                  <p:stCondLst>
+                                    <p:cond delay="0"/>
+                                  </p:stCondLst>
+                                  <p:childTnLst>
+                                    <p:set>
+                                      <p:cBhvr>
+                                        <p:cTn id="6" dur="1" fill="hold">
+                                          <p:stCondLst>
+                                            <p:cond delay="0"/>
+                                          </p:stCondLst>
+                                        </p:cTn>
+                                        <p:tgtEl>
+                                          <p:spTgt spid="3">
+                                            <p:txEl>
+                                              <p:pRg st="0" end="0"/>
+                                            </p:txEl>
+                                          </p:spTgt>
+                                        </p:tgtEl>
+                                        <p:attrNameLst>
+                                          <p:attrName>style.visibility</p:attrName>
+                                        </p:attrNameLst>
+                                      </p:cBhvr>
+                                      <p:to>
+                                        <p:strVal val="visible"/>
+                                      </p:to>
+                                    </p:set>
+                                    <p:animEffect transition="in" filter="fade">
+                                      <p:cBhvr>
+                                        <p:cTn id="7" dur="500"/>
+                                        <p:tgtEl>
+                                          <p:spTgt spid="3">
+                                            <p:txEl>
+                                              <p:pRg st="0" end="0"/>
+                                            </p:txEl>
+                                          </p:spTgt>
+                                        </p:tgtEl>
+                                      </p:cBhvr>
+                                    </p:animEffect>
+                                  </p:childTnLst>
+                                </p:cTn>
+                              </p:par>
+                              <p:par>
+                                <p:cTn id="8" presetID="10" presetClass="entr" presetSubtype="0" fill="hold" grpId="0" nodeType="withEffect">
+                                  <p:stCondLst>
+                                    <p:cond delay="0"/>
+                                  </p:stCondLst>
+                                  <p:childTnLst>
+                                    <p:set>
+                                      <p:cBhvr>
+                                        <p:cTn id="9" dur="1" fill="hold">
+                                          <p:stCondLst>
+                                            <p:cond delay="0"/>
+                                          </p:stCondLst>
+                                        </p:cTn>
+                                        <p:tgtEl>
+                                          <p:spTgt spid="3">
+                                            <p:txEl>
+                                              <p:pRg st="1" end="1"/>
+                                            </p:txEl>
+                                          </p:spTgt>
+                                        </p:tgtEl>
+                                        <p:attrNameLst>
+                                          <p:attrName>style.visibility</p:attrName>
+                                        </p:attrNameLst>
+                                      </p:cBhvr>
+                                      <p:to>
+                                        <p:strVal val="visible"/>
+                                      </p:to>
+                                    </p:set>
+                                    <p:animEffect transition="in" filter="fade">
+                                      <p:cBhvr>
+                                        <p:cTn id="10" dur="500"/>
+                                        <p:tgtEl>
+                                          <p:spTgt spid="3">
+                                            <p:txEl>
+                                              <p:pRg st="1" end="1"/>
+                                            </p:txEl>
+                                          </p:spTgt>
+                                        </p:tgtEl>
+                                      </p:cBhvr>
+                                    </p:animEffect>
+                                  </p:childTnLst>
+                                </p:cTn>
+                              </p:par>
+                            </p:childTnLst>
+                          </p:cTn>
+                        </p:par>
+                      </p:childTnLst>
+                    </p:cTn>
+                  </p:par>
+                </p:childTnLst>
+              </p:cTn>
+              <p:prevCondLst>
+                <p:cond evt="onPrev" delay="0">
+                  <p:tgtEl>
+                    <p:sldTgt/>
+                  </p:tgtEl>
+                </p:cond>
+              </p:prevCondLst>
+              <p:nextCondLst>
+                <p:cond evt="onNext" delay="0">
+                  <p:tgtEl>
+                    <p:sldTgt/>
+                  </p:tgtEl>
+                </p:cond>
+              </p:nextCondLst>
+            </p:seq>
+          </p:childTnLst>
+        </p:cTn>
+      </p:par>
+    </p:tnLst>
+    <p:bldLst>
+      <p:bldP spid="3" grpId="0" build="p"/>
+    </p:bldLst>
+  </p:timing>
+</p:sld>
+</file>
+
+<file path=ppt/slides/slide27.xml><?xml version="1.0" encoding="utf-8"?>
 <p:sld xmlns:a="http://schemas.openxmlformats.org/drawingml/2006/main" xmlns:r="http://schemas.openxmlformats.org/officeDocument/2006/relationships" xmlns:p="http://schemas.openxmlformats.org/presentationml/2006/main">
   <p:cSld>
     <p:spTree>
